--- a/lectures/06_tokenization/06_tokenization.pptx
+++ b/lectures/06_tokenization/06_tokenization.pptx
@@ -139,7 +139,7 @@
 <file path=ppt/revisionInfo.xml><?xml version="1.0" encoding="utf-8"?>
 <p1510:revInfo xmlns:a="http://schemas.openxmlformats.org/drawingml/2006/main" xmlns:r="http://schemas.openxmlformats.org/officeDocument/2006/relationships" xmlns:p1510="http://schemas.microsoft.com/office/powerpoint/2015/10/main">
   <p1510:revLst>
-    <p1510:client id="{A8F9D057-04CB-5F4A-096B-AABF9A251404}" v="12" dt="2025-05-18T11:51:36.826"/>
+    <p1510:client id="{816E74F5-4F20-CC32-B540-6E0770E01D49}" v="13" dt="2025-05-23T15:39:13.982"/>
   </p1510:revLst>
 </p1510:revInfo>
 </file>
@@ -34337,7 +34337,7 @@
               <a:buChar char="•"/>
             </a:pPr>
             <a:r>
-              <a:rPr lang="en-US" sz="2000" b="0" strike="noStrike" spc="-1">
+              <a:rPr lang="en-US" sz="2000" b="0" strike="noStrike" spc="-1" dirty="0">
                 <a:solidFill>
                   <a:srgbClr val="003056"/>
                 </a:solidFill>
@@ -34346,7 +34346,7 @@
               <a:t>Speech and Language Processing, </a:t>
             </a:r>
             <a:r>
-              <a:rPr lang="en-US" sz="2000" b="0" strike="noStrike" spc="-1" err="1">
+              <a:rPr lang="en-US" sz="2000" b="0" strike="noStrike" spc="-1" dirty="0" err="1">
                 <a:solidFill>
                   <a:srgbClr val="003056"/>
                 </a:solidFill>
@@ -34355,7 +34355,7 @@
               <a:t>Jurafsky</a:t>
             </a:r>
             <a:r>
-              <a:rPr lang="en-US" sz="2000" b="0" strike="noStrike" spc="-1">
+              <a:rPr lang="en-US" sz="2000" b="0" strike="noStrike" spc="-1" dirty="0">
                 <a:solidFill>
                   <a:srgbClr val="003056"/>
                 </a:solidFill>
@@ -34364,7 +34364,7 @@
               <a:t> et al., </a:t>
             </a:r>
             <a:r>
-              <a:rPr lang="en-US" sz="2000" spc="-1">
+              <a:rPr lang="en-US" sz="2000" spc="-1" dirty="0">
                 <a:solidFill>
                   <a:srgbClr val="003056"/>
                 </a:solidFill>
@@ -34372,7 +34372,7 @@
               </a:rPr>
               <a:t>2024</a:t>
             </a:r>
-            <a:endParaRPr lang="de-DE" sz="2000" b="0" strike="noStrike" spc="-1">
+            <a:endParaRPr lang="de-DE" sz="2000" b="0" strike="noStrike" spc="-1" dirty="0">
               <a:solidFill>
                 <a:srgbClr val="003056"/>
               </a:solidFill>
@@ -34394,7 +34394,7 @@
               <a:buChar char="•"/>
             </a:pPr>
             <a:r>
-              <a:rPr lang="en-US" sz="1800" spc="-1">
+              <a:rPr lang="en-US" sz="1800" spc="-1" dirty="0">
                 <a:solidFill>
                   <a:srgbClr val="003056"/>
                 </a:solidFill>
@@ -34402,7 +34402,7 @@
               </a:rPr>
               <a:t>Chapter 2</a:t>
             </a:r>
-            <a:endParaRPr lang="de-DE" sz="1800" b="0" strike="noStrike" spc="-1">
+            <a:endParaRPr lang="de-DE" sz="1800" b="0" strike="noStrike" spc="-1" dirty="0">
               <a:solidFill>
                 <a:srgbClr val="003056"/>
               </a:solidFill>
@@ -34424,7 +34424,7 @@
               <a:buChar char="•"/>
             </a:pPr>
             <a:r>
-              <a:rPr lang="en-US" sz="2000" spc="-1">
+              <a:rPr lang="en-US" sz="2000" spc="-1" dirty="0">
                 <a:solidFill>
                   <a:srgbClr val="003056"/>
                 </a:solidFill>
@@ -34435,7 +34435,7 @@
               <a:t>Between words and characters: A Brief History of Open-Vocabulary Modeling and Tokenization in NLP</a:t>
             </a:r>
             <a:r>
-              <a:rPr lang="en-US" sz="2000" spc="-1">
+              <a:rPr lang="en-US" sz="2000" spc="-1" dirty="0">
                 <a:solidFill>
                   <a:srgbClr val="003056"/>
                 </a:solidFill>
@@ -34460,7 +34460,7 @@
               <a:buChar char="•"/>
             </a:pPr>
             <a:r>
-              <a:rPr lang="en-US" sz="2000" spc="-1">
+              <a:rPr lang="en-US" sz="2000" spc="-1" dirty="0">
                 <a:solidFill>
                   <a:srgbClr val="003056"/>
                 </a:solidFill>
@@ -34472,7 +34472,7 @@
               <a:t>Let's build the GPT Tokenizer</a:t>
             </a:r>
             <a:r>
-              <a:rPr lang="en-US" sz="2000" spc="-1">
+              <a:rPr lang="en-US" sz="2000" spc="-1" dirty="0">
                 <a:solidFill>
                   <a:srgbClr val="003056"/>
                 </a:solidFill>
@@ -34483,7 +34483,7 @@
               <a:t>, Andrej </a:t>
             </a:r>
             <a:r>
-              <a:rPr lang="en-US" sz="2000" spc="-1" err="1">
+              <a:rPr lang="en-US" sz="2000" spc="-1" dirty="0" err="1">
                 <a:solidFill>
                   <a:srgbClr val="003056"/>
                 </a:solidFill>
@@ -34494,7 +34494,7 @@
               <a:t>Karpathy</a:t>
             </a:r>
             <a:r>
-              <a:rPr lang="en-US" sz="2000" spc="-1">
+              <a:rPr lang="en-US" sz="2000" spc="-1" dirty="0">
                 <a:solidFill>
                   <a:srgbClr val="003056"/>
                 </a:solidFill>
@@ -34504,7 +34504,7 @@
               </a:rPr>
               <a:t>, 2024</a:t>
             </a:r>
-            <a:endParaRPr lang="en-US" sz="2000" spc="-1">
+            <a:endParaRPr lang="en-US" sz="2000" spc="-1" dirty="0">
               <a:solidFill>
                 <a:srgbClr val="003056"/>
               </a:solidFill>
@@ -34527,7 +34527,7 @@
               <a:buChar char="•"/>
             </a:pPr>
             <a:r>
-              <a:rPr lang="en-US" sz="2000" b="0" strike="noStrike" spc="-1">
+              <a:rPr lang="en-US" sz="2000" b="0" strike="noStrike" spc="-1" dirty="0">
                 <a:solidFill>
                   <a:srgbClr val="003056"/>
                 </a:solidFill>
@@ -34536,6 +34536,68 @@
               <a:t>References linked in corresponding slides</a:t>
             </a:r>
             <a:endParaRPr lang="de-DE" sz="2000" b="0" strike="noStrike" spc="-1">
+              <a:solidFill>
+                <a:srgbClr val="003056"/>
+              </a:solidFill>
+              <a:latin typeface="Calibri"/>
+            </a:endParaRPr>
+          </a:p>
+          <a:p>
+            <a:pPr marL="742950" lvl="1" indent="-285750">
+              <a:lnSpc>
+                <a:spcPct val="100000"/>
+              </a:lnSpc>
+              <a:spcBef>
+                <a:spcPts val="400"/>
+              </a:spcBef>
+              <a:buClr>
+                <a:srgbClr val="003056"/>
+              </a:buClr>
+              <a:buFont typeface="Arial"/>
+              <a:buChar char="•"/>
+            </a:pPr>
+            <a:endParaRPr lang="en-US" sz="2000" spc="-1" dirty="0">
+              <a:solidFill>
+                <a:srgbClr val="003056"/>
+              </a:solidFill>
+              <a:latin typeface="Calibri"/>
+            </a:endParaRPr>
+          </a:p>
+          <a:p>
+            <a:pPr marL="742950" lvl="1" indent="-285750">
+              <a:lnSpc>
+                <a:spcPct val="100000"/>
+              </a:lnSpc>
+              <a:spcBef>
+                <a:spcPts val="400"/>
+              </a:spcBef>
+              <a:buClr>
+                <a:srgbClr val="003056"/>
+              </a:buClr>
+              <a:buFont typeface="Arial"/>
+              <a:buChar char="•"/>
+            </a:pPr>
+            <a:r>
+              <a:rPr lang="en-US" sz="2000" spc="-1" dirty="0">
+                <a:solidFill>
+                  <a:srgbClr val="003056"/>
+                </a:solidFill>
+                <a:latin typeface="Calibri"/>
+              </a:rPr>
+              <a:t>                               </a:t>
+            </a:r>
+            <a:r>
+              <a:rPr lang="en-GB" sz="2000" spc="-1">
+                <a:solidFill>
+                  <a:srgbClr val="003056"/>
+                </a:solidFill>
+                <a:latin typeface="Calibri"/>
+                <a:ea typeface="Calibri"/>
+                <a:cs typeface="Calibri"/>
+              </a:rPr>
+              <a:t>© University of Mannheim</a:t>
+            </a:r>
+            <a:endParaRPr lang="en-US" sz="2000" spc="-1" dirty="0">
               <a:solidFill>
                 <a:srgbClr val="003056"/>
               </a:solidFill>
@@ -34566,6 +34628,36 @@
           </a:p>
         </p:txBody>
       </p:sp>
+      <p:pic>
+        <p:nvPicPr>
+          <p:cNvPr id="2" name="Picture 1" descr="A logo for a university&#10;&#10;AI-generated content may be incorrect.">
+            <a:extLst>
+              <a:ext uri="{FF2B5EF4-FFF2-40B4-BE49-F238E27FC236}">
+                <a16:creationId xmlns:a16="http://schemas.microsoft.com/office/drawing/2014/main" id="{DF08F8A7-9844-ECAD-59F5-3FAA9E182B38}"/>
+              </a:ext>
+            </a:extLst>
+          </p:cNvPr>
+          <p:cNvPicPr>
+            <a:picLocks noChangeAspect="1"/>
+          </p:cNvPicPr>
+          <p:nvPr/>
+        </p:nvPicPr>
+        <p:blipFill>
+          <a:blip r:embed="rId4"/>
+          <a:stretch>
+            <a:fillRect/>
+          </a:stretch>
+        </p:blipFill>
+        <p:spPr>
+          <a:xfrm>
+            <a:off x="1134596" y="3276881"/>
+            <a:ext cx="2000250" cy="942975"/>
+          </a:xfrm>
+          <a:prstGeom prst="rect">
+            <a:avLst/>
+          </a:prstGeom>
+        </p:spPr>
+      </p:pic>
     </p:spTree>
   </p:cSld>
   <p:clrMapOvr>
@@ -34798,6 +34890,49 @@
                                           <p:spTgt spid="258">
                                             <p:txEl>
                                               <p:pRg st="4" end="4"/>
+                                            </p:txEl>
+                                          </p:spTgt>
+                                        </p:tgtEl>
+                                      </p:cBhvr>
+                                    </p:animEffect>
+                                  </p:childTnLst>
+                                </p:cTn>
+                              </p:par>
+                              <p:par>
+                                <p:cTn id="20" presetID="22" presetClass="entr" presetSubtype="4" fill="hold" nodeType="withEffect">
+                                  <p:stCondLst>
+                                    <p:cond delay="0"/>
+                                  </p:stCondLst>
+                                  <p:childTnLst>
+                                    <p:set>
+                                      <p:cBhvr>
+                                        <p:cTn id="21" dur="1" fill="hold">
+                                          <p:stCondLst>
+                                            <p:cond delay="0"/>
+                                          </p:stCondLst>
+                                        </p:cTn>
+                                        <p:tgtEl>
+                                          <p:spTgt spid="258">
+                                            <p:txEl>
+                                              <p:pRg st="6" end="6"/>
+                                            </p:txEl>
+                                          </p:spTgt>
+                                        </p:tgtEl>
+                                        <p:attrNameLst>
+                                          <p:attrName>style.visibility</p:attrName>
+                                        </p:attrNameLst>
+                                      </p:cBhvr>
+                                      <p:to>
+                                        <p:strVal val="visible"/>
+                                      </p:to>
+                                    </p:set>
+                                    <p:animEffect transition="in" filter="wipe(down)">
+                                      <p:cBhvr additive="repl">
+                                        <p:cTn id="22" dur="500"/>
+                                        <p:tgtEl>
+                                          <p:spTgt spid="258">
+                                            <p:txEl>
+                                              <p:pRg st="6" end="6"/>
                                             </p:txEl>
                                           </p:spTgt>
                                         </p:tgtEl>
